--- a/OrientDB_Intro.pptx
+++ b/OrientDB_Intro.pptx
@@ -238,7 +238,7 @@
           <a:p>
             <a:fld id="{394F935D-5832-4835-A4AF-9373148C9946}" type="datetimeFigureOut">
               <a:rPr lang="en-US" smtClean="0"/>
-              <a:t>6/29/2017</a:t>
+              <a:t>7/10/2017</a:t>
             </a:fld>
             <a:endParaRPr lang="en-US"/>
           </a:p>
@@ -5354,7 +5354,17 @@
             </a:r>
             <a:r>
               <a:rPr lang="en-US" baseline="0" dirty="0" smtClean="0"/>
-              <a:t> from V;</a:t>
+              <a:t> from V</a:t>
+            </a:r>
+            <a:r>
+              <a:rPr lang="en-US" baseline="0" dirty="0" smtClean="0"/>
+              <a:t>;</a:t>
+            </a:r>
+          </a:p>
+          <a:p>
+            <a:r>
+              <a:rPr lang="en-US" baseline="0" dirty="0" smtClean="0"/>
+              <a:t>Or start with one node and then double click through it.</a:t>
             </a:r>
             <a:endParaRPr lang="en-US" dirty="0"/>
           </a:p>
@@ -5573,7 +5583,6 @@
               <a:rPr lang="en-US" dirty="0" smtClean="0"/>
               <a:t>'</a:t>
             </a:r>
-            <a:endParaRPr lang="en-US" dirty="0" smtClean="0"/>
           </a:p>
           <a:p>
             <a:pPr marL="228600" indent="-228600">
@@ -5590,11 +5599,7 @@
             </a:r>
             <a:r>
               <a:rPr lang="en-US" dirty="0" smtClean="0"/>
-              <a:t>=</a:t>
-            </a:r>
-            <a:r>
-              <a:rPr lang="en-US" dirty="0" smtClean="0"/>
-              <a:t>'</a:t>
+              <a:t>='</a:t>
             </a:r>
             <a:r>
               <a:rPr lang="en-US" dirty="0" err="1" smtClean="0"/>
@@ -5604,7 +5609,6 @@
               <a:rPr lang="en-US" dirty="0" smtClean="0"/>
               <a:t>')</a:t>
             </a:r>
-            <a:endParaRPr lang="en-US" dirty="0" smtClean="0"/>
           </a:p>
           <a:p>
             <a:pPr marL="228600" indent="-228600">
@@ -5657,7 +5661,11 @@
             </a:pPr>
             <a:r>
               <a:rPr lang="en-US" dirty="0" smtClean="0"/>
-              <a:t>-- Run in Browse</a:t>
+              <a:t>-- Run in </a:t>
+            </a:r>
+            <a:r>
+              <a:rPr lang="en-US" b="1" dirty="0" smtClean="0"/>
+              <a:t>Browse</a:t>
             </a:r>
             <a:r>
               <a:rPr lang="en-US" baseline="0" dirty="0" smtClean="0"/>
@@ -5668,7 +5676,7 @@
           <a:p>
             <a:pPr marL="228600" indent="-228600">
               <a:buFont typeface="+mj-lt"/>
-              <a:buAutoNum type="arabicParenR"/>
+              <a:buAutoNum type="arabicParenR" startAt="5"/>
             </a:pPr>
             <a:r>
               <a:rPr lang="en-US" dirty="0" smtClean="0"/>
@@ -5710,7 +5718,7 @@
           <a:p>
             <a:pPr marL="228600" indent="-228600">
               <a:buFont typeface="+mj-lt"/>
-              <a:buAutoNum type="arabicParenR"/>
+              <a:buAutoNum type="arabicParenR" startAt="5"/>
             </a:pPr>
             <a:r>
               <a:rPr lang="en-US" dirty="0" smtClean="0"/>
@@ -5752,7 +5760,7 @@
           <a:p>
             <a:pPr marL="228600" indent="-228600">
               <a:buFont typeface="+mj-lt"/>
-              <a:buAutoNum type="arabicParenR"/>
+              <a:buAutoNum type="arabicParenR" startAt="5"/>
             </a:pPr>
             <a:r>
               <a:rPr lang="en-US" dirty="0" smtClean="0"/>
@@ -6266,15 +6274,7 @@
             </a:pPr>
             <a:r>
               <a:rPr lang="en-US" dirty="0" smtClean="0"/>
-              <a:t>You </a:t>
-            </a:r>
-            <a:r>
-              <a:rPr lang="en-US" dirty="0" smtClean="0"/>
-              <a:t>must </a:t>
-            </a:r>
-            <a:r>
-              <a:rPr lang="en-US" dirty="0" smtClean="0"/>
-              <a:t>inherit all Vertexes from V Class, and all Edges from E Class in</a:t>
+              <a:t>You must inherit all Vertexes from V Class, and all Edges from E Class in</a:t>
             </a:r>
             <a:r>
               <a:rPr lang="en-US" baseline="0" dirty="0" smtClean="0"/>
@@ -6737,7 +6737,7 @@
             <a:fld id="{1D8BD707-D9CF-40AE-B4C6-C98DA3205C09}" type="datetimeFigureOut">
               <a:rPr lang="en-US" smtClean="0"/>
               <a:pPr/>
-              <a:t>6/29/2017</a:t>
+              <a:t>7/10/2017</a:t>
             </a:fld>
             <a:endParaRPr lang="en-US"/>
           </a:p>
@@ -6904,7 +6904,7 @@
             <a:fld id="{1D8BD707-D9CF-40AE-B4C6-C98DA3205C09}" type="datetimeFigureOut">
               <a:rPr lang="en-US" smtClean="0"/>
               <a:pPr/>
-              <a:t>6/29/2017</a:t>
+              <a:t>7/10/2017</a:t>
             </a:fld>
             <a:endParaRPr lang="en-US"/>
           </a:p>
@@ -7081,7 +7081,7 @@
             <a:fld id="{1D8BD707-D9CF-40AE-B4C6-C98DA3205C09}" type="datetimeFigureOut">
               <a:rPr lang="en-US" smtClean="0"/>
               <a:pPr/>
-              <a:t>6/29/2017</a:t>
+              <a:t>7/10/2017</a:t>
             </a:fld>
             <a:endParaRPr lang="en-US"/>
           </a:p>
@@ -7248,7 +7248,7 @@
             <a:fld id="{1D8BD707-D9CF-40AE-B4C6-C98DA3205C09}" type="datetimeFigureOut">
               <a:rPr lang="en-US" smtClean="0"/>
               <a:pPr/>
-              <a:t>6/29/2017</a:t>
+              <a:t>7/10/2017</a:t>
             </a:fld>
             <a:endParaRPr lang="en-US"/>
           </a:p>
@@ -7491,7 +7491,7 @@
             <a:fld id="{1D8BD707-D9CF-40AE-B4C6-C98DA3205C09}" type="datetimeFigureOut">
               <a:rPr lang="en-US" smtClean="0"/>
               <a:pPr/>
-              <a:t>6/29/2017</a:t>
+              <a:t>7/10/2017</a:t>
             </a:fld>
             <a:endParaRPr lang="en-US"/>
           </a:p>
@@ -7776,7 +7776,7 @@
             <a:fld id="{1D8BD707-D9CF-40AE-B4C6-C98DA3205C09}" type="datetimeFigureOut">
               <a:rPr lang="en-US" smtClean="0"/>
               <a:pPr/>
-              <a:t>6/29/2017</a:t>
+              <a:t>7/10/2017</a:t>
             </a:fld>
             <a:endParaRPr lang="en-US"/>
           </a:p>
@@ -8195,7 +8195,7 @@
             <a:fld id="{1D8BD707-D9CF-40AE-B4C6-C98DA3205C09}" type="datetimeFigureOut">
               <a:rPr lang="en-US" smtClean="0"/>
               <a:pPr/>
-              <a:t>6/29/2017</a:t>
+              <a:t>7/10/2017</a:t>
             </a:fld>
             <a:endParaRPr lang="en-US"/>
           </a:p>
@@ -8310,7 +8310,7 @@
             <a:fld id="{1D8BD707-D9CF-40AE-B4C6-C98DA3205C09}" type="datetimeFigureOut">
               <a:rPr lang="en-US" smtClean="0"/>
               <a:pPr/>
-              <a:t>6/29/2017</a:t>
+              <a:t>7/10/2017</a:t>
             </a:fld>
             <a:endParaRPr lang="en-US"/>
           </a:p>
@@ -8402,7 +8402,7 @@
             <a:fld id="{1D8BD707-D9CF-40AE-B4C6-C98DA3205C09}" type="datetimeFigureOut">
               <a:rPr lang="en-US" smtClean="0"/>
               <a:pPr/>
-              <a:t>6/29/2017</a:t>
+              <a:t>7/10/2017</a:t>
             </a:fld>
             <a:endParaRPr lang="en-US"/>
           </a:p>
@@ -8676,7 +8676,7 @@
             <a:fld id="{1D8BD707-D9CF-40AE-B4C6-C98DA3205C09}" type="datetimeFigureOut">
               <a:rPr lang="en-US" smtClean="0"/>
               <a:pPr/>
-              <a:t>6/29/2017</a:t>
+              <a:t>7/10/2017</a:t>
             </a:fld>
             <a:endParaRPr lang="en-US"/>
           </a:p>
@@ -8926,7 +8926,7 @@
             <a:fld id="{1D8BD707-D9CF-40AE-B4C6-C98DA3205C09}" type="datetimeFigureOut">
               <a:rPr lang="en-US" smtClean="0"/>
               <a:pPr/>
-              <a:t>6/29/2017</a:t>
+              <a:t>7/10/2017</a:t>
             </a:fld>
             <a:endParaRPr lang="en-US"/>
           </a:p>
@@ -9136,7 +9136,7 @@
             <a:fld id="{1D8BD707-D9CF-40AE-B4C6-C98DA3205C09}" type="datetimeFigureOut">
               <a:rPr lang="en-US" smtClean="0"/>
               <a:pPr/>
-              <a:t>6/29/2017</a:t>
+              <a:t>7/10/2017</a:t>
             </a:fld>
             <a:endParaRPr lang="en-US"/>
           </a:p>
@@ -9782,6 +9782,7 @@
           <a:prstGeom prst="ellipse">
             <a:avLst/>
           </a:prstGeom>
+          <a:ln w="38100"/>
         </p:spPr>
         <p:style>
           <a:lnRef idx="2">
@@ -9823,6 +9824,7 @@
           <a:prstGeom prst="ellipse">
             <a:avLst/>
           </a:prstGeom>
+          <a:ln w="38100"/>
         </p:spPr>
         <p:style>
           <a:lnRef idx="2">
@@ -9867,7 +9869,7 @@
           <a:prstGeom prst="straightConnector1">
             <a:avLst/>
           </a:prstGeom>
-          <a:ln>
+          <a:ln w="38100">
             <a:tailEnd type="arrow"/>
           </a:ln>
         </p:spPr>
@@ -9909,10 +9911,10 @@
           <a:lstStyle/>
           <a:p>
             <a:r>
-              <a:rPr lang="en-US" dirty="0" smtClean="0"/>
+              <a:rPr lang="en-US" b="1" dirty="0" smtClean="0"/>
               <a:t>1</a:t>
             </a:r>
-            <a:endParaRPr lang="en-US" dirty="0"/>
+            <a:endParaRPr lang="en-US" b="1" dirty="0"/>
           </a:p>
         </p:txBody>
       </p:sp>
@@ -9924,7 +9926,7 @@
         </p:nvSpPr>
         <p:spPr>
           <a:xfrm>
-            <a:off x="4821997" y="6260068"/>
+            <a:off x="4800600" y="6260068"/>
             <a:ext cx="435803" cy="369332"/>
           </a:xfrm>
           <a:prstGeom prst="rect">
@@ -9939,10 +9941,10 @@
           <a:lstStyle/>
           <a:p>
             <a:r>
-              <a:rPr lang="en-US" dirty="0" smtClean="0"/>
+              <a:rPr lang="en-US" b="1" dirty="0" smtClean="0"/>
               <a:t>M</a:t>
             </a:r>
-            <a:endParaRPr lang="en-US" dirty="0"/>
+            <a:endParaRPr lang="en-US" b="1" dirty="0"/>
           </a:p>
         </p:txBody>
       </p:sp>
@@ -12961,8 +12963,13 @@
           <a:p>
             <a:r>
               <a:rPr lang="en-US" dirty="0" smtClean="0"/>
-              <a:t>Delete Single Vertex</a:t>
-            </a:r>
+              <a:t>Delete Single </a:t>
+            </a:r>
+            <a:r>
+              <a:rPr lang="en-US" dirty="0" smtClean="0"/>
+              <a:t>Vertex (Examples Only)</a:t>
+            </a:r>
+            <a:endParaRPr lang="en-US" dirty="0" smtClean="0"/>
           </a:p>
           <a:p>
             <a:pPr lvl="1"/>
@@ -18803,17 +18810,17 @@
               <a:t>Login to "</a:t>
             </a:r>
             <a:r>
+              <a:rPr lang="en-US" b="1" dirty="0" err="1" smtClean="0"/>
+              <a:t>gms</a:t>
+            </a:r>
+            <a:r>
+              <a:rPr lang="en-US" dirty="0" smtClean="0"/>
+              <a:t>" DB with admin/</a:t>
+            </a:r>
+            <a:r>
               <a:rPr lang="en-US" dirty="0" err="1" smtClean="0"/>
               <a:t>gms</a:t>
             </a:r>
-            <a:r>
-              <a:rPr lang="en-US" dirty="0" smtClean="0"/>
-              <a:t>" DB with admin/</a:t>
-            </a:r>
-            <a:r>
-              <a:rPr lang="en-US" dirty="0" err="1" smtClean="0"/>
-              <a:t>gms</a:t>
-            </a:r>
             <a:endParaRPr lang="en-US" dirty="0" smtClean="0"/>
           </a:p>
           <a:p>
@@ -18831,8 +18838,13 @@
           <a:p>
             <a:r>
               <a:rPr lang="en-US" dirty="0" smtClean="0"/>
-              <a:t>We will Visually Review Our Results in the OrientDB Web Studio</a:t>
-            </a:r>
+              <a:t>We will Visually Review Our Results in the OrientDB Web </a:t>
+            </a:r>
+            <a:r>
+              <a:rPr lang="en-US" dirty="0" smtClean="0"/>
+              <a:t>Studio together!</a:t>
+            </a:r>
+            <a:endParaRPr lang="en-US" dirty="0" smtClean="0"/>
           </a:p>
         </p:txBody>
       </p:sp>
